--- a/1. Core Java 8/Day 4/Slides/10. Nested Types and Anonymous Classes/nested-types-and-anonymous-classes-slides.pptx
+++ b/1. Core Java 8/Day 4/Slides/10. Nested Types and Anonymous Classes/nested-types-and-anonymous-classes-slides.pptx
@@ -11829,7 +11829,7 @@
         <p:spPr>
           <a:xfrm>
             <a:off x="353059" y="1751076"/>
-            <a:ext cx="10541000" cy="4445000"/>
+            <a:ext cx="10541000" cy="4936490"/>
           </a:xfrm>
           <a:prstGeom prst="rect">
             <a:avLst/>
@@ -12198,6 +12198,23 @@
               </a:rPr>
               <a:t> </a:t>
             </a:r>
+            <a:endParaRPr sz="2000" spc="-25" dirty="0">
+              <a:solidFill>
+                <a:srgbClr val="F2F2F2"/>
+              </a:solidFill>
+              <a:latin typeface="Courier New" panose="02070309020205020404"/>
+              <a:cs typeface="Courier New" panose="02070309020205020404"/>
+            </a:endParaRPr>
+          </a:p>
+          <a:p>
+            <a:pPr marL="12700">
+              <a:lnSpc>
+                <a:spcPct val="100000"/>
+              </a:lnSpc>
+              <a:spcBef>
+                <a:spcPts val="1200"/>
+              </a:spcBef>
+            </a:pPr>
             <a:r>
               <a:rPr sz="2000" spc="-5" dirty="0">
                 <a:solidFill>
@@ -12329,7 +12346,7 @@
         </p:nvSpPr>
         <p:spPr>
           <a:xfrm>
-            <a:off x="940171" y="5374759"/>
+            <a:off x="761736" y="5334119"/>
             <a:ext cx="812800" cy="964565"/>
           </a:xfrm>
           <a:custGeom>

--- a/1. Core Java 8/Day 4/Slides/10. Nested Types and Anonymous Classes/nested-types-and-anonymous-classes-slides.pptx
+++ b/1. Core Java 8/Day 4/Slides/10. Nested Types and Anonymous Classes/nested-types-and-anonymous-classes-slides.pptx
@@ -7162,54 +7162,6 @@
               <a:cs typeface="Verdana" panose="020B0604030504040204"/>
             </a:endParaRPr>
           </a:p>
-        </p:txBody>
-      </p:sp>
-      <p:sp>
-        <p:nvSpPr>
-          <p:cNvPr id="5" name="object 5"/>
-          <p:cNvSpPr/>
-          <p:nvPr/>
-        </p:nvSpPr>
-        <p:spPr>
-          <a:xfrm>
-            <a:off x="5919619" y="1314196"/>
-            <a:ext cx="3656965" cy="340995"/>
-          </a:xfrm>
-          <a:custGeom>
-            <a:avLst/>
-            <a:gdLst/>
-            <a:ahLst/>
-            <a:cxnLst/>
-            <a:rect l="l" t="t" r="r" b="b"/>
-            <a:pathLst>
-              <a:path w="3656965" h="340994">
-                <a:moveTo>
-                  <a:pt x="3656642" y="0"/>
-                </a:moveTo>
-                <a:lnTo>
-                  <a:pt x="0" y="0"/>
-                </a:lnTo>
-                <a:lnTo>
-                  <a:pt x="0" y="340467"/>
-                </a:lnTo>
-                <a:lnTo>
-                  <a:pt x="3656642" y="340467"/>
-                </a:lnTo>
-                <a:lnTo>
-                  <a:pt x="3656642" y="0"/>
-                </a:lnTo>
-                <a:close/>
-              </a:path>
-            </a:pathLst>
-          </a:custGeom>
-          <a:solidFill>
-            <a:srgbClr val="171717"/>
-          </a:solidFill>
-        </p:spPr>
-        <p:txBody>
-          <a:bodyPr wrap="square" lIns="0" tIns="0" rIns="0" bIns="0" rtlCol="0"/>
-          <a:lstStyle/>
-          <a:p/>
         </p:txBody>
       </p:sp>
       <p:sp>
